--- a/test.pptx
+++ b/test.pptx
@@ -6,13 +6,6 @@
   </p:sldMasterIdLst>
   <p:sldIdLst>
     <p:sldId id="262" r:id="rId2"/>
-    <p:sldId id="267" r:id="rId3"/>
-    <p:sldId id="264" r:id="rId4"/>
-    <p:sldId id="266" r:id="rId5"/>
-    <p:sldId id="259" r:id="rId6"/>
-    <p:sldId id="257" r:id="rId7"/>
-    <p:sldId id="263" r:id="rId8"/>
-    <p:sldId id="265" r:id="rId9"/>
   </p:sldIdLst>
   <p:sldSz cx="12192000" cy="6858000"/>
   <p:notesSz cx="6858000" cy="9144000"/>
@@ -119,6 +112,69 @@
 </p:presentation>
 </file>
 
+<file path=ppt/changesInfos/changesInfo1.xml><?xml version="1.0" encoding="utf-8"?>
+<pc:chgInfo xmlns:a="http://schemas.openxmlformats.org/drawingml/2006/main" xmlns:r="http://schemas.openxmlformats.org/officeDocument/2006/relationships" xmlns:ac="http://schemas.microsoft.com/office/drawing/2013/main/command" xmlns:pc="http://schemas.microsoft.com/office/powerpoint/2013/main/command">
+  <pc:docChgLst>
+    <pc:chgData name="Patrick Weber" userId="d70583d16387b07a" providerId="LiveId" clId="{E9B16287-2195-4AA5-BF9C-FFA2C93363A7}"/>
+    <pc:docChg chg="delSld">
+      <pc:chgData name="Patrick Weber" userId="d70583d16387b07a" providerId="LiveId" clId="{E9B16287-2195-4AA5-BF9C-FFA2C93363A7}" dt="2025-05-27T12:49:54.229" v="6" actId="47"/>
+      <pc:docMkLst>
+        <pc:docMk/>
+      </pc:docMkLst>
+      <pc:sldChg chg="del">
+        <pc:chgData name="Patrick Weber" userId="d70583d16387b07a" providerId="LiveId" clId="{E9B16287-2195-4AA5-BF9C-FFA2C93363A7}" dt="2025-05-27T12:49:53.443" v="4" actId="47"/>
+        <pc:sldMkLst>
+          <pc:docMk/>
+          <pc:sldMk cId="4090380769" sldId="257"/>
+        </pc:sldMkLst>
+      </pc:sldChg>
+      <pc:sldChg chg="del">
+        <pc:chgData name="Patrick Weber" userId="d70583d16387b07a" providerId="LiveId" clId="{E9B16287-2195-4AA5-BF9C-FFA2C93363A7}" dt="2025-05-27T12:49:53.176" v="3" actId="47"/>
+        <pc:sldMkLst>
+          <pc:docMk/>
+          <pc:sldMk cId="2072500627" sldId="259"/>
+        </pc:sldMkLst>
+      </pc:sldChg>
+      <pc:sldChg chg="del">
+        <pc:chgData name="Patrick Weber" userId="d70583d16387b07a" providerId="LiveId" clId="{E9B16287-2195-4AA5-BF9C-FFA2C93363A7}" dt="2025-05-27T12:49:53.805" v="5" actId="47"/>
+        <pc:sldMkLst>
+          <pc:docMk/>
+          <pc:sldMk cId="898059925" sldId="263"/>
+        </pc:sldMkLst>
+      </pc:sldChg>
+      <pc:sldChg chg="del">
+        <pc:chgData name="Patrick Weber" userId="d70583d16387b07a" providerId="LiveId" clId="{E9B16287-2195-4AA5-BF9C-FFA2C93363A7}" dt="2025-05-27T12:49:52.642" v="1" actId="47"/>
+        <pc:sldMkLst>
+          <pc:docMk/>
+          <pc:sldMk cId="3574167428" sldId="264"/>
+        </pc:sldMkLst>
+      </pc:sldChg>
+      <pc:sldChg chg="del">
+        <pc:chgData name="Patrick Weber" userId="d70583d16387b07a" providerId="LiveId" clId="{E9B16287-2195-4AA5-BF9C-FFA2C93363A7}" dt="2025-05-27T12:49:54.229" v="6" actId="47"/>
+        <pc:sldMkLst>
+          <pc:docMk/>
+          <pc:sldMk cId="4134655266" sldId="265"/>
+        </pc:sldMkLst>
+      </pc:sldChg>
+      <pc:sldChg chg="del">
+        <pc:chgData name="Patrick Weber" userId="d70583d16387b07a" providerId="LiveId" clId="{E9B16287-2195-4AA5-BF9C-FFA2C93363A7}" dt="2025-05-27T12:49:52.910" v="2" actId="47"/>
+        <pc:sldMkLst>
+          <pc:docMk/>
+          <pc:sldMk cId="2308821959" sldId="266"/>
+        </pc:sldMkLst>
+      </pc:sldChg>
+      <pc:sldChg chg="del">
+        <pc:chgData name="Patrick Weber" userId="d70583d16387b07a" providerId="LiveId" clId="{E9B16287-2195-4AA5-BF9C-FFA2C93363A7}" dt="2025-05-27T12:49:52.328" v="0" actId="47"/>
+        <pc:sldMkLst>
+          <pc:docMk/>
+          <pc:sldMk cId="3821650567" sldId="267"/>
+        </pc:sldMkLst>
+      </pc:sldChg>
+    </pc:docChg>
+  </pc:docChgLst>
+</pc:chgInfo>
+</file>
+
 <file path=ppt/slideLayouts/slideLayout1.xml><?xml version="1.0" encoding="utf-8"?>
 <p:sldLayout xmlns:a="http://schemas.openxmlformats.org/drawingml/2006/main" xmlns:r="http://schemas.openxmlformats.org/officeDocument/2006/relationships" xmlns:p="http://schemas.openxmlformats.org/presentationml/2006/main" type="title" preserve="1">
   <p:cSld name="Titelfolie">
@@ -268,7 +324,7 @@
           <a:p>
             <a:fld id="{D8840686-6EFC-4BFD-8612-16A151F1E8DC}" type="datetimeFigureOut">
               <a:rPr lang="de-CH" smtClean="0"/>
-              <a:t>26.05.2025</a:t>
+              <a:t>27.05.2025</a:t>
             </a:fld>
             <a:endParaRPr lang="de-CH"/>
           </a:p>
@@ -468,7 +524,7 @@
           <a:p>
             <a:fld id="{D8840686-6EFC-4BFD-8612-16A151F1E8DC}" type="datetimeFigureOut">
               <a:rPr lang="de-CH" smtClean="0"/>
-              <a:t>26.05.2025</a:t>
+              <a:t>27.05.2025</a:t>
             </a:fld>
             <a:endParaRPr lang="de-CH"/>
           </a:p>
@@ -678,7 +734,7 @@
           <a:p>
             <a:fld id="{D8840686-6EFC-4BFD-8612-16A151F1E8DC}" type="datetimeFigureOut">
               <a:rPr lang="de-CH" smtClean="0"/>
-              <a:t>26.05.2025</a:t>
+              <a:t>27.05.2025</a:t>
             </a:fld>
             <a:endParaRPr lang="de-CH"/>
           </a:p>
@@ -878,7 +934,7 @@
           <a:p>
             <a:fld id="{D8840686-6EFC-4BFD-8612-16A151F1E8DC}" type="datetimeFigureOut">
               <a:rPr lang="de-CH" smtClean="0"/>
-              <a:t>26.05.2025</a:t>
+              <a:t>27.05.2025</a:t>
             </a:fld>
             <a:endParaRPr lang="de-CH"/>
           </a:p>
@@ -1154,7 +1210,7 @@
           <a:p>
             <a:fld id="{D8840686-6EFC-4BFD-8612-16A151F1E8DC}" type="datetimeFigureOut">
               <a:rPr lang="de-CH" smtClean="0"/>
-              <a:t>26.05.2025</a:t>
+              <a:t>27.05.2025</a:t>
             </a:fld>
             <a:endParaRPr lang="de-CH"/>
           </a:p>
@@ -1422,7 +1478,7 @@
           <a:p>
             <a:fld id="{D8840686-6EFC-4BFD-8612-16A151F1E8DC}" type="datetimeFigureOut">
               <a:rPr lang="de-CH" smtClean="0"/>
-              <a:t>26.05.2025</a:t>
+              <a:t>27.05.2025</a:t>
             </a:fld>
             <a:endParaRPr lang="de-CH"/>
           </a:p>
@@ -1837,7 +1893,7 @@
           <a:p>
             <a:fld id="{D8840686-6EFC-4BFD-8612-16A151F1E8DC}" type="datetimeFigureOut">
               <a:rPr lang="de-CH" smtClean="0"/>
-              <a:t>26.05.2025</a:t>
+              <a:t>27.05.2025</a:t>
             </a:fld>
             <a:endParaRPr lang="de-CH"/>
           </a:p>
@@ -1979,7 +2035,7 @@
           <a:p>
             <a:fld id="{D8840686-6EFC-4BFD-8612-16A151F1E8DC}" type="datetimeFigureOut">
               <a:rPr lang="de-CH" smtClean="0"/>
-              <a:t>26.05.2025</a:t>
+              <a:t>27.05.2025</a:t>
             </a:fld>
             <a:endParaRPr lang="de-CH"/>
           </a:p>
@@ -2092,7 +2148,7 @@
           <a:p>
             <a:fld id="{D8840686-6EFC-4BFD-8612-16A151F1E8DC}" type="datetimeFigureOut">
               <a:rPr lang="de-CH" smtClean="0"/>
-              <a:t>26.05.2025</a:t>
+              <a:t>27.05.2025</a:t>
             </a:fld>
             <a:endParaRPr lang="de-CH"/>
           </a:p>
@@ -2405,7 +2461,7 @@
           <a:p>
             <a:fld id="{D8840686-6EFC-4BFD-8612-16A151F1E8DC}" type="datetimeFigureOut">
               <a:rPr lang="de-CH" smtClean="0"/>
-              <a:t>26.05.2025</a:t>
+              <a:t>27.05.2025</a:t>
             </a:fld>
             <a:endParaRPr lang="de-CH"/>
           </a:p>
@@ -2694,7 +2750,7 @@
           <a:p>
             <a:fld id="{D8840686-6EFC-4BFD-8612-16A151F1E8DC}" type="datetimeFigureOut">
               <a:rPr lang="de-CH" smtClean="0"/>
-              <a:t>26.05.2025</a:t>
+              <a:t>27.05.2025</a:t>
             </a:fld>
             <a:endParaRPr lang="de-CH"/>
           </a:p>
@@ -2937,7 +2993,7 @@
           <a:p>
             <a:fld id="{D8840686-6EFC-4BFD-8612-16A151F1E8DC}" type="datetimeFigureOut">
               <a:rPr lang="de-CH" smtClean="0"/>
-              <a:t>26.05.2025</a:t>
+              <a:t>27.05.2025</a:t>
             </a:fld>
             <a:endParaRPr lang="de-CH"/>
           </a:p>
@@ -8046,1023 +8102,6 @@
 </p:sld>
 </file>
 
-<file path=ppt/slides/slide2.xml><?xml version="1.0" encoding="utf-8"?>
-<p:sld xmlns:a="http://schemas.openxmlformats.org/drawingml/2006/main" xmlns:r="http://schemas.openxmlformats.org/officeDocument/2006/relationships" xmlns:p="http://schemas.openxmlformats.org/presentationml/2006/main">
-  <p:cSld>
-    <p:spTree>
-      <p:nvGrpSpPr>
-        <p:cNvPr id="1" name=""/>
-        <p:cNvGrpSpPr/>
-        <p:nvPr/>
-      </p:nvGrpSpPr>
-      <p:grpSpPr>
-        <a:xfrm>
-          <a:off x="0" y="0"/>
-          <a:ext cx="0" cy="0"/>
-          <a:chOff x="0" y="0"/>
-          <a:chExt cx="0" cy="0"/>
-        </a:xfrm>
-      </p:grpSpPr>
-      <p:sp>
-        <p:nvSpPr>
-          <p:cNvPr id="2" name="Titel 1">
-            <a:extLst>
-              <a:ext uri="{FF2B5EF4-FFF2-40B4-BE49-F238E27FC236}">
-                <a16:creationId xmlns:a16="http://schemas.microsoft.com/office/drawing/2014/main" id="{9212649E-4090-4AC2-AA53-03495E7916EE}"/>
-              </a:ext>
-            </a:extLst>
-          </p:cNvPr>
-          <p:cNvSpPr>
-            <a:spLocks noGrp="1"/>
-          </p:cNvSpPr>
-          <p:nvPr>
-            <p:ph type="title"/>
-          </p:nvPr>
-        </p:nvSpPr>
-        <p:spPr/>
-        <p:txBody>
-          <a:bodyPr/>
-          <a:lstStyle/>
-          <a:p>
-            <a:r>
-              <a:rPr lang="de-CH" dirty="0"/>
-              <a:t>Anhang</a:t>
-            </a:r>
-          </a:p>
-        </p:txBody>
-      </p:sp>
-      <p:sp>
-        <p:nvSpPr>
-          <p:cNvPr id="3" name="Inhaltsplatzhalter 2">
-            <a:extLst>
-              <a:ext uri="{FF2B5EF4-FFF2-40B4-BE49-F238E27FC236}">
-                <a16:creationId xmlns:a16="http://schemas.microsoft.com/office/drawing/2014/main" id="{79636CB9-1C40-4BAB-9209-7A086B773087}"/>
-              </a:ext>
-            </a:extLst>
-          </p:cNvPr>
-          <p:cNvSpPr>
-            <a:spLocks noGrp="1"/>
-          </p:cNvSpPr>
-          <p:nvPr>
-            <p:ph idx="1"/>
-          </p:nvPr>
-        </p:nvSpPr>
-        <p:spPr/>
-        <p:txBody>
-          <a:bodyPr/>
-          <a:lstStyle/>
-          <a:p>
-            <a:endParaRPr lang="de-CH"/>
-          </a:p>
-        </p:txBody>
-      </p:sp>
-    </p:spTree>
-    <p:extLst>
-      <p:ext uri="{BB962C8B-B14F-4D97-AF65-F5344CB8AC3E}">
-        <p14:creationId xmlns:p14="http://schemas.microsoft.com/office/powerpoint/2010/main" val="3821650567"/>
-      </p:ext>
-    </p:extLst>
-  </p:cSld>
-  <p:clrMapOvr>
-    <a:masterClrMapping/>
-  </p:clrMapOvr>
-</p:sld>
-</file>
-
-<file path=ppt/slides/slide3.xml><?xml version="1.0" encoding="utf-8"?>
-<p:sld xmlns:a="http://schemas.openxmlformats.org/drawingml/2006/main" xmlns:r="http://schemas.openxmlformats.org/officeDocument/2006/relationships" xmlns:p="http://schemas.openxmlformats.org/presentationml/2006/main">
-  <p:cSld>
-    <p:spTree>
-      <p:nvGrpSpPr>
-        <p:cNvPr id="1" name=""/>
-        <p:cNvGrpSpPr/>
-        <p:nvPr/>
-      </p:nvGrpSpPr>
-      <p:grpSpPr>
-        <a:xfrm>
-          <a:off x="0" y="0"/>
-          <a:ext cx="0" cy="0"/>
-          <a:chOff x="0" y="0"/>
-          <a:chExt cx="0" cy="0"/>
-        </a:xfrm>
-      </p:grpSpPr>
-      <p:sp>
-        <p:nvSpPr>
-          <p:cNvPr id="2" name="Titel 1">
-            <a:extLst>
-              <a:ext uri="{FF2B5EF4-FFF2-40B4-BE49-F238E27FC236}">
-                <a16:creationId xmlns:a16="http://schemas.microsoft.com/office/drawing/2014/main" id="{EA9A4FF9-4E30-4F24-9AD2-AE9E03D17989}"/>
-              </a:ext>
-            </a:extLst>
-          </p:cNvPr>
-          <p:cNvSpPr>
-            <a:spLocks noGrp="1"/>
-          </p:cNvSpPr>
-          <p:nvPr>
-            <p:ph type="title"/>
-          </p:nvPr>
-        </p:nvSpPr>
-        <p:spPr/>
-        <p:txBody>
-          <a:bodyPr>
-            <a:normAutofit/>
-          </a:bodyPr>
-          <a:lstStyle/>
-          <a:p>
-            <a:r>
-              <a:rPr lang="de-DE" sz="1200" dirty="0">
-                <a:hlinkClick r:id="rId2"/>
-              </a:rPr>
-              <a:t>KI-Agenten: Die Zukunft intelligenter Automatisierung</a:t>
-            </a:r>
-            <a:br>
-              <a:rPr lang="de-DE" sz="1200" dirty="0"/>
-            </a:br>
-            <a:r>
-              <a:rPr lang="de-CH" dirty="0"/>
-              <a:t>„Agent </a:t>
-            </a:r>
-            <a:r>
-              <a:rPr lang="de-CH" dirty="0" err="1"/>
-              <a:t>Swarm</a:t>
-            </a:r>
-            <a:r>
-              <a:rPr lang="de-CH" dirty="0"/>
-              <a:t>“</a:t>
-            </a:r>
-            <a:endParaRPr lang="de-CH" sz="1200" dirty="0"/>
-          </a:p>
-        </p:txBody>
-      </p:sp>
-      <p:sp>
-        <p:nvSpPr>
-          <p:cNvPr id="3" name="Inhaltsplatzhalter 2">
-            <a:extLst>
-              <a:ext uri="{FF2B5EF4-FFF2-40B4-BE49-F238E27FC236}">
-                <a16:creationId xmlns:a16="http://schemas.microsoft.com/office/drawing/2014/main" id="{77450D84-4A6F-4508-B04E-540D3BA5BF97}"/>
-              </a:ext>
-            </a:extLst>
-          </p:cNvPr>
-          <p:cNvSpPr>
-            <a:spLocks noGrp="1"/>
-          </p:cNvSpPr>
-          <p:nvPr>
-            <p:ph idx="1"/>
-          </p:nvPr>
-        </p:nvSpPr>
-        <p:spPr/>
-        <p:txBody>
-          <a:bodyPr/>
-          <a:lstStyle/>
-          <a:p>
-            <a:endParaRPr lang="de-CH"/>
-          </a:p>
-        </p:txBody>
-      </p:sp>
-      <p:pic>
-        <p:nvPicPr>
-          <p:cNvPr id="4" name="Grafik 3">
-            <a:extLst>
-              <a:ext uri="{FF2B5EF4-FFF2-40B4-BE49-F238E27FC236}">
-                <a16:creationId xmlns:a16="http://schemas.microsoft.com/office/drawing/2014/main" id="{89D48683-DD06-4166-8919-46506E7496CF}"/>
-              </a:ext>
-            </a:extLst>
-          </p:cNvPr>
-          <p:cNvPicPr>
-            <a:picLocks noChangeAspect="1"/>
-          </p:cNvPicPr>
-          <p:nvPr/>
-        </p:nvPicPr>
-        <p:blipFill>
-          <a:blip r:embed="rId3"/>
-          <a:stretch>
-            <a:fillRect/>
-          </a:stretch>
-        </p:blipFill>
-        <p:spPr>
-          <a:xfrm>
-            <a:off x="838200" y="1825625"/>
-            <a:ext cx="7324725" cy="4638675"/>
-          </a:xfrm>
-          <a:prstGeom prst="rect">
-            <a:avLst/>
-          </a:prstGeom>
-        </p:spPr>
-      </p:pic>
-    </p:spTree>
-    <p:extLst>
-      <p:ext uri="{BB962C8B-B14F-4D97-AF65-F5344CB8AC3E}">
-        <p14:creationId xmlns:p14="http://schemas.microsoft.com/office/powerpoint/2010/main" val="3574167428"/>
-      </p:ext>
-    </p:extLst>
-  </p:cSld>
-  <p:clrMapOvr>
-    <a:masterClrMapping/>
-  </p:clrMapOvr>
-</p:sld>
-</file>
-
-<file path=ppt/slides/slide4.xml><?xml version="1.0" encoding="utf-8"?>
-<p:sld xmlns:a="http://schemas.openxmlformats.org/drawingml/2006/main" xmlns:r="http://schemas.openxmlformats.org/officeDocument/2006/relationships" xmlns:p="http://schemas.openxmlformats.org/presentationml/2006/main">
-  <p:cSld>
-    <p:spTree>
-      <p:nvGrpSpPr>
-        <p:cNvPr id="1" name=""/>
-        <p:cNvGrpSpPr/>
-        <p:nvPr/>
-      </p:nvGrpSpPr>
-      <p:grpSpPr>
-        <a:xfrm>
-          <a:off x="0" y="0"/>
-          <a:ext cx="0" cy="0"/>
-          <a:chOff x="0" y="0"/>
-          <a:chExt cx="0" cy="0"/>
-        </a:xfrm>
-      </p:grpSpPr>
-      <p:sp>
-        <p:nvSpPr>
-          <p:cNvPr id="2" name="Titel 1">
-            <a:extLst>
-              <a:ext uri="{FF2B5EF4-FFF2-40B4-BE49-F238E27FC236}">
-                <a16:creationId xmlns:a16="http://schemas.microsoft.com/office/drawing/2014/main" id="{28AD6BB5-44E7-428F-B358-2303288784D4}"/>
-              </a:ext>
-            </a:extLst>
-          </p:cNvPr>
-          <p:cNvSpPr>
-            <a:spLocks noGrp="1"/>
-          </p:cNvSpPr>
-          <p:nvPr>
-            <p:ph type="title"/>
-          </p:nvPr>
-        </p:nvSpPr>
-        <p:spPr/>
-        <p:txBody>
-          <a:bodyPr>
-            <a:normAutofit/>
-          </a:bodyPr>
-          <a:lstStyle/>
-          <a:p>
-            <a:r>
-              <a:rPr lang="de-DE" sz="2000" dirty="0">
-                <a:hlinkClick r:id="rId2"/>
-              </a:rPr>
-              <a:t>Erste Schritte mit dem Agent-zu-Agent-Protokoll (A2A): Interaktionen zwischen Kundenservicemitarbeitern und Remote-Verkäufern mit Gemini in Cloud Run  |  Google </a:t>
-            </a:r>
-            <a:r>
-              <a:rPr lang="de-DE" dirty="0" err="1">
-                <a:hlinkClick r:id="rId2"/>
-              </a:rPr>
-              <a:t>Codelabs</a:t>
-            </a:r>
-            <a:endParaRPr lang="de-CH" dirty="0"/>
-          </a:p>
-        </p:txBody>
-      </p:sp>
-      <p:sp>
-        <p:nvSpPr>
-          <p:cNvPr id="3" name="Inhaltsplatzhalter 2">
-            <a:extLst>
-              <a:ext uri="{FF2B5EF4-FFF2-40B4-BE49-F238E27FC236}">
-                <a16:creationId xmlns:a16="http://schemas.microsoft.com/office/drawing/2014/main" id="{DD71DACF-265C-4565-90F3-697525D12395}"/>
-              </a:ext>
-            </a:extLst>
-          </p:cNvPr>
-          <p:cNvSpPr>
-            <a:spLocks noGrp="1"/>
-          </p:cNvSpPr>
-          <p:nvPr>
-            <p:ph idx="1"/>
-          </p:nvPr>
-        </p:nvSpPr>
-        <p:spPr/>
-        <p:txBody>
-          <a:bodyPr/>
-          <a:lstStyle/>
-          <a:p>
-            <a:endParaRPr lang="de-CH"/>
-          </a:p>
-        </p:txBody>
-      </p:sp>
-      <p:pic>
-        <p:nvPicPr>
-          <p:cNvPr id="4" name="Grafik 3">
-            <a:extLst>
-              <a:ext uri="{FF2B5EF4-FFF2-40B4-BE49-F238E27FC236}">
-                <a16:creationId xmlns:a16="http://schemas.microsoft.com/office/drawing/2014/main" id="{E65F677B-2EAE-41AC-AD57-751103E11F0D}"/>
-              </a:ext>
-            </a:extLst>
-          </p:cNvPr>
-          <p:cNvPicPr>
-            <a:picLocks noChangeAspect="1"/>
-          </p:cNvPicPr>
-          <p:nvPr/>
-        </p:nvPicPr>
-        <p:blipFill>
-          <a:blip r:embed="rId3"/>
-          <a:stretch>
-            <a:fillRect/>
-          </a:stretch>
-        </p:blipFill>
-        <p:spPr>
-          <a:xfrm>
-            <a:off x="902809" y="1910556"/>
-            <a:ext cx="7343775" cy="4181475"/>
-          </a:xfrm>
-          <a:prstGeom prst="rect">
-            <a:avLst/>
-          </a:prstGeom>
-        </p:spPr>
-      </p:pic>
-    </p:spTree>
-    <p:extLst>
-      <p:ext uri="{BB962C8B-B14F-4D97-AF65-F5344CB8AC3E}">
-        <p14:creationId xmlns:p14="http://schemas.microsoft.com/office/powerpoint/2010/main" val="2308821959"/>
-      </p:ext>
-    </p:extLst>
-  </p:cSld>
-  <p:clrMapOvr>
-    <a:masterClrMapping/>
-  </p:clrMapOvr>
-</p:sld>
-</file>
-
-<file path=ppt/slides/slide5.xml><?xml version="1.0" encoding="utf-8"?>
-<p:sld xmlns:a="http://schemas.openxmlformats.org/drawingml/2006/main" xmlns:r="http://schemas.openxmlformats.org/officeDocument/2006/relationships" xmlns:p="http://schemas.openxmlformats.org/presentationml/2006/main">
-  <p:cSld>
-    <p:spTree>
-      <p:nvGrpSpPr>
-        <p:cNvPr id="1" name=""/>
-        <p:cNvGrpSpPr/>
-        <p:nvPr/>
-      </p:nvGrpSpPr>
-      <p:grpSpPr>
-        <a:xfrm>
-          <a:off x="0" y="0"/>
-          <a:ext cx="0" cy="0"/>
-          <a:chOff x="0" y="0"/>
-          <a:chExt cx="0" cy="0"/>
-        </a:xfrm>
-      </p:grpSpPr>
-      <p:sp>
-        <p:nvSpPr>
-          <p:cNvPr id="2" name="Titel 1">
-            <a:extLst>
-              <a:ext uri="{FF2B5EF4-FFF2-40B4-BE49-F238E27FC236}">
-                <a16:creationId xmlns:a16="http://schemas.microsoft.com/office/drawing/2014/main" id="{CE54C1B9-68F5-42DB-9C99-1367DB7180A1}"/>
-              </a:ext>
-            </a:extLst>
-          </p:cNvPr>
-          <p:cNvSpPr>
-            <a:spLocks noGrp="1"/>
-          </p:cNvSpPr>
-          <p:nvPr>
-            <p:ph type="title"/>
-          </p:nvPr>
-        </p:nvSpPr>
-        <p:spPr>
-          <a:xfrm>
-            <a:off x="838200" y="365125"/>
-            <a:ext cx="10515600" cy="339615"/>
-          </a:xfrm>
-        </p:spPr>
-        <p:txBody>
-          <a:bodyPr>
-            <a:normAutofit fontScale="90000"/>
-          </a:bodyPr>
-          <a:lstStyle/>
-          <a:p>
-            <a:r>
-              <a:rPr lang="de-DE" sz="1400" dirty="0">
-                <a:hlinkClick r:id="rId2"/>
-              </a:rPr>
-              <a:t>Was ist Retrieval </a:t>
-            </a:r>
-            <a:r>
-              <a:rPr lang="de-DE" sz="1400" dirty="0" err="1">
-                <a:hlinkClick r:id="rId2"/>
-              </a:rPr>
-              <a:t>Augmented</a:t>
-            </a:r>
-            <a:r>
-              <a:rPr lang="de-DE" sz="1400" dirty="0">
-                <a:hlinkClick r:id="rId2"/>
-              </a:rPr>
-              <a:t> Generation (RAG)? - </a:t>
-            </a:r>
-            <a:r>
-              <a:rPr lang="de-DE" sz="1400" dirty="0" err="1">
-                <a:hlinkClick r:id="rId2"/>
-              </a:rPr>
-              <a:t>Datasolut</a:t>
-            </a:r>
-            <a:r>
-              <a:rPr lang="de-DE" sz="1400" dirty="0">
-                <a:hlinkClick r:id="rId2"/>
-              </a:rPr>
-              <a:t> GmbH</a:t>
-            </a:r>
-            <a:br>
-              <a:rPr lang="de-DE" sz="1400" dirty="0"/>
-            </a:br>
-            <a:endParaRPr lang="de-CH" sz="1400" dirty="0"/>
-          </a:p>
-        </p:txBody>
-      </p:sp>
-      <p:pic>
-        <p:nvPicPr>
-          <p:cNvPr id="4" name="Inhaltsplatzhalter 3">
-            <a:extLst>
-              <a:ext uri="{FF2B5EF4-FFF2-40B4-BE49-F238E27FC236}">
-                <a16:creationId xmlns:a16="http://schemas.microsoft.com/office/drawing/2014/main" id="{A9D67BFD-B3B8-4945-A6C2-0A4704101ABB}"/>
-              </a:ext>
-            </a:extLst>
-          </p:cNvPr>
-          <p:cNvPicPr>
-            <a:picLocks noGrp="1" noChangeAspect="1"/>
-          </p:cNvPicPr>
-          <p:nvPr>
-            <p:ph idx="1"/>
-          </p:nvPr>
-        </p:nvPicPr>
-        <p:blipFill>
-          <a:blip r:embed="rId3"/>
-          <a:stretch>
-            <a:fillRect/>
-          </a:stretch>
-        </p:blipFill>
-        <p:spPr>
-          <a:xfrm>
-            <a:off x="595439" y="1121618"/>
-            <a:ext cx="4842409" cy="2352640"/>
-          </a:xfrm>
-          <a:prstGeom prst="rect">
-            <a:avLst/>
-          </a:prstGeom>
-        </p:spPr>
-      </p:pic>
-      <p:sp>
-        <p:nvSpPr>
-          <p:cNvPr id="5" name="Textfeld 4">
-            <a:extLst>
-              <a:ext uri="{FF2B5EF4-FFF2-40B4-BE49-F238E27FC236}">
-                <a16:creationId xmlns:a16="http://schemas.microsoft.com/office/drawing/2014/main" id="{270C31FE-B3EE-44A0-828B-C0A75149CFA5}"/>
-              </a:ext>
-            </a:extLst>
-          </p:cNvPr>
-          <p:cNvSpPr txBox="1"/>
-          <p:nvPr/>
-        </p:nvSpPr>
-        <p:spPr>
-          <a:xfrm>
-            <a:off x="663547" y="704740"/>
-            <a:ext cx="4689232" cy="646331"/>
-          </a:xfrm>
-          <a:prstGeom prst="rect">
-            <a:avLst/>
-          </a:prstGeom>
-          <a:noFill/>
-        </p:spPr>
-        <p:txBody>
-          <a:bodyPr wrap="none" rtlCol="0">
-            <a:spAutoFit/>
-          </a:bodyPr>
-          <a:lstStyle/>
-          <a:p>
-            <a:r>
-              <a:rPr lang="de-CH" dirty="0"/>
-              <a:t>Was ist Retrieval </a:t>
-            </a:r>
-            <a:r>
-              <a:rPr lang="de-CH" dirty="0" err="1"/>
-              <a:t>Augmented</a:t>
-            </a:r>
-            <a:r>
-              <a:rPr lang="de-CH" dirty="0"/>
-              <a:t> Generation (RAG)?</a:t>
-            </a:r>
-          </a:p>
-          <a:p>
-            <a:endParaRPr lang="de-CH" dirty="0"/>
-          </a:p>
-        </p:txBody>
-      </p:sp>
-      <p:pic>
-        <p:nvPicPr>
-          <p:cNvPr id="6" name="Grafik 5">
-            <a:extLst>
-              <a:ext uri="{FF2B5EF4-FFF2-40B4-BE49-F238E27FC236}">
-                <a16:creationId xmlns:a16="http://schemas.microsoft.com/office/drawing/2014/main" id="{83CE9D38-EFB7-4F00-8817-D71AD4523747}"/>
-              </a:ext>
-            </a:extLst>
-          </p:cNvPr>
-          <p:cNvPicPr>
-            <a:picLocks noChangeAspect="1"/>
-          </p:cNvPicPr>
-          <p:nvPr/>
-        </p:nvPicPr>
-        <p:blipFill>
-          <a:blip r:embed="rId4"/>
-          <a:stretch>
-            <a:fillRect/>
-          </a:stretch>
-        </p:blipFill>
-        <p:spPr>
-          <a:xfrm>
-            <a:off x="6283828" y="906307"/>
-            <a:ext cx="5244625" cy="4406535"/>
-          </a:xfrm>
-          <a:prstGeom prst="rect">
-            <a:avLst/>
-          </a:prstGeom>
-        </p:spPr>
-      </p:pic>
-      <p:sp>
-        <p:nvSpPr>
-          <p:cNvPr id="7" name="Titel 1">
-            <a:extLst>
-              <a:ext uri="{FF2B5EF4-FFF2-40B4-BE49-F238E27FC236}">
-                <a16:creationId xmlns:a16="http://schemas.microsoft.com/office/drawing/2014/main" id="{23B76741-1744-4A2A-81ED-57DDD8AE16A0}"/>
-              </a:ext>
-            </a:extLst>
-          </p:cNvPr>
-          <p:cNvSpPr txBox="1">
-            <a:spLocks/>
-          </p:cNvSpPr>
-          <p:nvPr/>
-        </p:nvSpPr>
-        <p:spPr>
-          <a:xfrm>
-            <a:off x="6283828" y="365123"/>
-            <a:ext cx="5069972" cy="1625518"/>
-          </a:xfrm>
-          <a:prstGeom prst="rect">
-            <a:avLst/>
-          </a:prstGeom>
-        </p:spPr>
-        <p:txBody>
-          <a:bodyPr vert="horz" lIns="91440" tIns="45720" rIns="91440" bIns="45720" rtlCol="0" anchor="ctr">
-            <a:normAutofit/>
-          </a:bodyPr>
-          <a:lstStyle>
-            <a:lvl1pPr algn="l" defTabSz="914400" rtl="0" eaLnBrk="1" latinLnBrk="0" hangingPunct="1">
-              <a:lnSpc>
-                <a:spcPct val="90000"/>
-              </a:lnSpc>
-              <a:spcBef>
-                <a:spcPct val="0"/>
-              </a:spcBef>
-              <a:buNone/>
-              <a:defRPr sz="4400" kern="1200">
-                <a:solidFill>
-                  <a:schemeClr val="tx1"/>
-                </a:solidFill>
-                <a:latin typeface="+mj-lt"/>
-                <a:ea typeface="+mj-ea"/>
-                <a:cs typeface="+mj-cs"/>
-              </a:defRPr>
-            </a:lvl1pPr>
-          </a:lstStyle>
-          <a:p>
-            <a:r>
-              <a:rPr lang="en-US" sz="1100">
-                <a:hlinkClick r:id="rId5"/>
-              </a:rPr>
-              <a:t>Build Production Agentic RAG With LLMOps at Its Core</a:t>
-            </a:r>
-            <a:br>
-              <a:rPr lang="en-US" sz="1100"/>
-            </a:br>
-            <a:br>
-              <a:rPr lang="en-US" sz="1100"/>
-            </a:br>
-            <a:br>
-              <a:rPr lang="en-US" sz="1100"/>
-            </a:br>
-            <a:br>
-              <a:rPr lang="en-US" sz="1100"/>
-            </a:br>
-            <a:br>
-              <a:rPr lang="en-US" sz="1100"/>
-            </a:br>
-            <a:br>
-              <a:rPr lang="en-US" sz="1100"/>
-            </a:br>
-            <a:br>
-              <a:rPr lang="en-US" sz="1100"/>
-            </a:br>
-            <a:endParaRPr lang="de-CH" sz="1100" dirty="0"/>
-          </a:p>
-        </p:txBody>
-      </p:sp>
-    </p:spTree>
-    <p:extLst>
-      <p:ext uri="{BB962C8B-B14F-4D97-AF65-F5344CB8AC3E}">
-        <p14:creationId xmlns:p14="http://schemas.microsoft.com/office/powerpoint/2010/main" val="2072500627"/>
-      </p:ext>
-    </p:extLst>
-  </p:cSld>
-  <p:clrMapOvr>
-    <a:masterClrMapping/>
-  </p:clrMapOvr>
-</p:sld>
-</file>
-
-<file path=ppt/slides/slide6.xml><?xml version="1.0" encoding="utf-8"?>
-<p:sld xmlns:a="http://schemas.openxmlformats.org/drawingml/2006/main" xmlns:r="http://schemas.openxmlformats.org/officeDocument/2006/relationships" xmlns:p="http://schemas.openxmlformats.org/presentationml/2006/main">
-  <p:cSld>
-    <p:spTree>
-      <p:nvGrpSpPr>
-        <p:cNvPr id="1" name=""/>
-        <p:cNvGrpSpPr/>
-        <p:nvPr/>
-      </p:nvGrpSpPr>
-      <p:grpSpPr>
-        <a:xfrm>
-          <a:off x="0" y="0"/>
-          <a:ext cx="0" cy="0"/>
-          <a:chOff x="0" y="0"/>
-          <a:chExt cx="0" cy="0"/>
-        </a:xfrm>
-      </p:grpSpPr>
-      <p:sp>
-        <p:nvSpPr>
-          <p:cNvPr id="2" name="Titel 1">
-            <a:extLst>
-              <a:ext uri="{FF2B5EF4-FFF2-40B4-BE49-F238E27FC236}">
-                <a16:creationId xmlns:a16="http://schemas.microsoft.com/office/drawing/2014/main" id="{69401B34-7C58-4647-872E-68F1BC3AE1AA}"/>
-              </a:ext>
-            </a:extLst>
-          </p:cNvPr>
-          <p:cNvSpPr>
-            <a:spLocks noGrp="1"/>
-          </p:cNvSpPr>
-          <p:nvPr>
-            <p:ph type="title"/>
-          </p:nvPr>
-        </p:nvSpPr>
-        <p:spPr/>
-        <p:txBody>
-          <a:bodyPr>
-            <a:normAutofit/>
-          </a:bodyPr>
-          <a:lstStyle/>
-          <a:p>
-            <a:r>
-              <a:rPr lang="de-DE" sz="1800" dirty="0">
-                <a:hlinkClick r:id="rId2"/>
-              </a:rPr>
-              <a:t>Advanced RAG: Architektur, Technologie, Anwendungen und Entwicklungsperspektiven - Chief AI Sharing Circle</a:t>
-            </a:r>
-            <a:br>
-              <a:rPr lang="de-DE" dirty="0"/>
-            </a:br>
-            <a:endParaRPr lang="de-CH" dirty="0"/>
-          </a:p>
-        </p:txBody>
-      </p:sp>
-      <p:sp>
-        <p:nvSpPr>
-          <p:cNvPr id="3" name="Inhaltsplatzhalter 2">
-            <a:extLst>
-              <a:ext uri="{FF2B5EF4-FFF2-40B4-BE49-F238E27FC236}">
-                <a16:creationId xmlns:a16="http://schemas.microsoft.com/office/drawing/2014/main" id="{C1ACECB4-8E99-4EA6-9DB1-D24D0846BBF8}"/>
-              </a:ext>
-            </a:extLst>
-          </p:cNvPr>
-          <p:cNvSpPr>
-            <a:spLocks noGrp="1"/>
-          </p:cNvSpPr>
-          <p:nvPr>
-            <p:ph idx="1"/>
-          </p:nvPr>
-        </p:nvSpPr>
-        <p:spPr/>
-        <p:txBody>
-          <a:bodyPr/>
-          <a:lstStyle/>
-          <a:p>
-            <a:endParaRPr lang="de-CH"/>
-          </a:p>
-        </p:txBody>
-      </p:sp>
-      <p:pic>
-        <p:nvPicPr>
-          <p:cNvPr id="4" name="Grafik 3">
-            <a:extLst>
-              <a:ext uri="{FF2B5EF4-FFF2-40B4-BE49-F238E27FC236}">
-                <a16:creationId xmlns:a16="http://schemas.microsoft.com/office/drawing/2014/main" id="{02F26DAB-0C80-48A8-ADE0-988F52934BFD}"/>
-              </a:ext>
-            </a:extLst>
-          </p:cNvPr>
-          <p:cNvPicPr>
-            <a:picLocks noChangeAspect="1"/>
-          </p:cNvPicPr>
-          <p:nvPr/>
-        </p:nvPicPr>
-        <p:blipFill>
-          <a:blip r:embed="rId3"/>
-          <a:stretch>
-            <a:fillRect/>
-          </a:stretch>
-        </p:blipFill>
-        <p:spPr>
-          <a:xfrm>
-            <a:off x="838200" y="1825625"/>
-            <a:ext cx="7429500" cy="4181475"/>
-          </a:xfrm>
-          <a:prstGeom prst="rect">
-            <a:avLst/>
-          </a:prstGeom>
-        </p:spPr>
-      </p:pic>
-      <p:sp>
-        <p:nvSpPr>
-          <p:cNvPr id="5" name="Textfeld 4">
-            <a:extLst>
-              <a:ext uri="{FF2B5EF4-FFF2-40B4-BE49-F238E27FC236}">
-                <a16:creationId xmlns:a16="http://schemas.microsoft.com/office/drawing/2014/main" id="{F3B325A8-874C-41DD-A602-96FD41F1AB7C}"/>
-              </a:ext>
-            </a:extLst>
-          </p:cNvPr>
-          <p:cNvSpPr txBox="1"/>
-          <p:nvPr/>
-        </p:nvSpPr>
-        <p:spPr>
-          <a:xfrm>
-            <a:off x="898216" y="1408014"/>
-            <a:ext cx="1592295" cy="646331"/>
-          </a:xfrm>
-          <a:prstGeom prst="rect">
-            <a:avLst/>
-          </a:prstGeom>
-          <a:noFill/>
-        </p:spPr>
-        <p:txBody>
-          <a:bodyPr wrap="none" rtlCol="0">
-            <a:spAutoFit/>
-          </a:bodyPr>
-          <a:lstStyle/>
-          <a:p>
-            <a:r>
-              <a:rPr lang="de-CH" b="1" dirty="0">
-                <a:hlinkClick r:id="rId2"/>
-              </a:rPr>
-              <a:t>Advanced RAG</a:t>
-            </a:r>
-            <a:endParaRPr lang="de-CH" b="1" dirty="0"/>
-          </a:p>
-          <a:p>
-            <a:endParaRPr lang="de-CH" dirty="0"/>
-          </a:p>
-        </p:txBody>
-      </p:sp>
-    </p:spTree>
-    <p:extLst>
-      <p:ext uri="{BB962C8B-B14F-4D97-AF65-F5344CB8AC3E}">
-        <p14:creationId xmlns:p14="http://schemas.microsoft.com/office/powerpoint/2010/main" val="4090380769"/>
-      </p:ext>
-    </p:extLst>
-  </p:cSld>
-  <p:clrMapOvr>
-    <a:masterClrMapping/>
-  </p:clrMapOvr>
-</p:sld>
-</file>
-
-<file path=ppt/slides/slide7.xml><?xml version="1.0" encoding="utf-8"?>
-<p:sld xmlns:a="http://schemas.openxmlformats.org/drawingml/2006/main" xmlns:r="http://schemas.openxmlformats.org/officeDocument/2006/relationships" xmlns:p="http://schemas.openxmlformats.org/presentationml/2006/main">
-  <p:cSld>
-    <p:spTree>
-      <p:nvGrpSpPr>
-        <p:cNvPr id="1" name=""/>
-        <p:cNvGrpSpPr/>
-        <p:nvPr/>
-      </p:nvGrpSpPr>
-      <p:grpSpPr>
-        <a:xfrm>
-          <a:off x="0" y="0"/>
-          <a:ext cx="0" cy="0"/>
-          <a:chOff x="0" y="0"/>
-          <a:chExt cx="0" cy="0"/>
-        </a:xfrm>
-      </p:grpSpPr>
-      <p:sp>
-        <p:nvSpPr>
-          <p:cNvPr id="2" name="Titel 1">
-            <a:extLst>
-              <a:ext uri="{FF2B5EF4-FFF2-40B4-BE49-F238E27FC236}">
-                <a16:creationId xmlns:a16="http://schemas.microsoft.com/office/drawing/2014/main" id="{CE13AA08-0E33-4AA3-B46C-8373F4AF9B87}"/>
-              </a:ext>
-            </a:extLst>
-          </p:cNvPr>
-          <p:cNvSpPr>
-            <a:spLocks noGrp="1"/>
-          </p:cNvSpPr>
-          <p:nvPr>
-            <p:ph type="title"/>
-          </p:nvPr>
-        </p:nvSpPr>
-        <p:spPr/>
-        <p:txBody>
-          <a:bodyPr>
-            <a:normAutofit/>
-          </a:bodyPr>
-          <a:lstStyle/>
-          <a:p>
-            <a:r>
-              <a:rPr lang="de-DE" sz="1600" dirty="0">
-                <a:hlinkClick r:id="rId2"/>
-              </a:rPr>
-              <a:t>Mehr Intelligenz, mehr Möglichkeiten: Wie sich KI-Agenten weiterentwickeln</a:t>
-            </a:r>
-            <a:endParaRPr lang="de-CH" sz="1600" dirty="0"/>
-          </a:p>
-        </p:txBody>
-      </p:sp>
-      <p:sp>
-        <p:nvSpPr>
-          <p:cNvPr id="3" name="Inhaltsplatzhalter 2">
-            <a:extLst>
-              <a:ext uri="{FF2B5EF4-FFF2-40B4-BE49-F238E27FC236}">
-                <a16:creationId xmlns:a16="http://schemas.microsoft.com/office/drawing/2014/main" id="{8704D917-D6EC-4A09-82CB-117B454F1C3D}"/>
-              </a:ext>
-            </a:extLst>
-          </p:cNvPr>
-          <p:cNvSpPr>
-            <a:spLocks noGrp="1"/>
-          </p:cNvSpPr>
-          <p:nvPr>
-            <p:ph idx="1"/>
-          </p:nvPr>
-        </p:nvSpPr>
-        <p:spPr/>
-        <p:txBody>
-          <a:bodyPr/>
-          <a:lstStyle/>
-          <a:p>
-            <a:endParaRPr lang="de-CH"/>
-          </a:p>
-        </p:txBody>
-      </p:sp>
-      <p:pic>
-        <p:nvPicPr>
-          <p:cNvPr id="4" name="Grafik 3">
-            <a:extLst>
-              <a:ext uri="{FF2B5EF4-FFF2-40B4-BE49-F238E27FC236}">
-                <a16:creationId xmlns:a16="http://schemas.microsoft.com/office/drawing/2014/main" id="{48D16AA0-4543-496B-B602-8383D595D9FA}"/>
-              </a:ext>
-            </a:extLst>
-          </p:cNvPr>
-          <p:cNvPicPr>
-            <a:picLocks noChangeAspect="1"/>
-          </p:cNvPicPr>
-          <p:nvPr/>
-        </p:nvPicPr>
-        <p:blipFill>
-          <a:blip r:embed="rId3"/>
-          <a:stretch>
-            <a:fillRect/>
-          </a:stretch>
-        </p:blipFill>
-        <p:spPr>
-          <a:xfrm>
-            <a:off x="997554" y="1945376"/>
-            <a:ext cx="7267575" cy="3371850"/>
-          </a:xfrm>
-          <a:prstGeom prst="rect">
-            <a:avLst/>
-          </a:prstGeom>
-        </p:spPr>
-      </p:pic>
-    </p:spTree>
-    <p:extLst>
-      <p:ext uri="{BB962C8B-B14F-4D97-AF65-F5344CB8AC3E}">
-        <p14:creationId xmlns:p14="http://schemas.microsoft.com/office/powerpoint/2010/main" val="898059925"/>
-      </p:ext>
-    </p:extLst>
-  </p:cSld>
-  <p:clrMapOvr>
-    <a:masterClrMapping/>
-  </p:clrMapOvr>
-</p:sld>
-</file>
-
-<file path=ppt/slides/slide8.xml><?xml version="1.0" encoding="utf-8"?>
-<p:sld xmlns:a="http://schemas.openxmlformats.org/drawingml/2006/main" xmlns:r="http://schemas.openxmlformats.org/officeDocument/2006/relationships" xmlns:p="http://schemas.openxmlformats.org/presentationml/2006/main">
-  <p:cSld>
-    <p:spTree>
-      <p:nvGrpSpPr>
-        <p:cNvPr id="1" name=""/>
-        <p:cNvGrpSpPr/>
-        <p:nvPr/>
-      </p:nvGrpSpPr>
-      <p:grpSpPr>
-        <a:xfrm>
-          <a:off x="0" y="0"/>
-          <a:ext cx="0" cy="0"/>
-          <a:chOff x="0" y="0"/>
-          <a:chExt cx="0" cy="0"/>
-        </a:xfrm>
-      </p:grpSpPr>
-      <p:sp>
-        <p:nvSpPr>
-          <p:cNvPr id="2" name="Titel 1">
-            <a:extLst>
-              <a:ext uri="{FF2B5EF4-FFF2-40B4-BE49-F238E27FC236}">
-                <a16:creationId xmlns:a16="http://schemas.microsoft.com/office/drawing/2014/main" id="{74124E41-C398-4C15-AABF-A02C3F3AAB7A}"/>
-              </a:ext>
-            </a:extLst>
-          </p:cNvPr>
-          <p:cNvSpPr>
-            <a:spLocks noGrp="1"/>
-          </p:cNvSpPr>
-          <p:nvPr>
-            <p:ph type="title"/>
-          </p:nvPr>
-        </p:nvSpPr>
-        <p:spPr/>
-        <p:txBody>
-          <a:bodyPr/>
-          <a:lstStyle/>
-          <a:p>
-            <a:r>
-              <a:rPr lang="de-DE" dirty="0">
-                <a:hlinkClick r:id="rId2"/>
-              </a:rPr>
-              <a:t>KI Einführung in Unternehmen - das solltest du wissen!</a:t>
-            </a:r>
-            <a:endParaRPr lang="de-CH" dirty="0"/>
-          </a:p>
-        </p:txBody>
-      </p:sp>
-      <p:sp>
-        <p:nvSpPr>
-          <p:cNvPr id="3" name="Inhaltsplatzhalter 2">
-            <a:extLst>
-              <a:ext uri="{FF2B5EF4-FFF2-40B4-BE49-F238E27FC236}">
-                <a16:creationId xmlns:a16="http://schemas.microsoft.com/office/drawing/2014/main" id="{E35E6433-1FA7-4259-82A4-80E9DA95A838}"/>
-              </a:ext>
-            </a:extLst>
-          </p:cNvPr>
-          <p:cNvSpPr>
-            <a:spLocks noGrp="1"/>
-          </p:cNvSpPr>
-          <p:nvPr>
-            <p:ph idx="1"/>
-          </p:nvPr>
-        </p:nvSpPr>
-        <p:spPr/>
-        <p:txBody>
-          <a:bodyPr/>
-          <a:lstStyle/>
-          <a:p>
-            <a:endParaRPr lang="de-CH"/>
-          </a:p>
-        </p:txBody>
-      </p:sp>
-      <p:pic>
-        <p:nvPicPr>
-          <p:cNvPr id="4" name="Grafik 3">
-            <a:extLst>
-              <a:ext uri="{FF2B5EF4-FFF2-40B4-BE49-F238E27FC236}">
-                <a16:creationId xmlns:a16="http://schemas.microsoft.com/office/drawing/2014/main" id="{516A23D2-9829-4118-9569-8787BA62776B}"/>
-              </a:ext>
-            </a:extLst>
-          </p:cNvPr>
-          <p:cNvPicPr>
-            <a:picLocks noChangeAspect="1"/>
-          </p:cNvPicPr>
-          <p:nvPr/>
-        </p:nvPicPr>
-        <p:blipFill>
-          <a:blip r:embed="rId3"/>
-          <a:stretch>
-            <a:fillRect/>
-          </a:stretch>
-        </p:blipFill>
-        <p:spPr>
-          <a:xfrm>
-            <a:off x="965571" y="1877506"/>
-            <a:ext cx="5824447" cy="4351338"/>
-          </a:xfrm>
-          <a:prstGeom prst="rect">
-            <a:avLst/>
-          </a:prstGeom>
-        </p:spPr>
-      </p:pic>
-    </p:spTree>
-    <p:extLst>
-      <p:ext uri="{BB962C8B-B14F-4D97-AF65-F5344CB8AC3E}">
-        <p14:creationId xmlns:p14="http://schemas.microsoft.com/office/powerpoint/2010/main" val="4134655266"/>
-      </p:ext>
-    </p:extLst>
-  </p:cSld>
-  <p:clrMapOvr>
-    <a:masterClrMapping/>
-  </p:clrMapOvr>
-</p:sld>
-</file>
-
 <file path=ppt/theme/theme1.xml><?xml version="1.0" encoding="utf-8"?>
 <a:theme xmlns:a="http://schemas.openxmlformats.org/drawingml/2006/main" name="Office">
   <a:themeElements>
